--- a/12/复习一下卷积神经网络.pptx
+++ b/12/复习一下卷积神经网络.pptx
@@ -1,11 +1,18 @@
 
 <file path=ppt/presentation.xml><?xml version="1.0" encoding="utf-8"?>
-<p:presentation xmlns:a="http://schemas.openxmlformats.org/drawingml/2006/main" xmlns:r="http://schemas.openxmlformats.org/officeDocument/2006/relationships" xmlns:p="http://schemas.openxmlformats.org/presentationml/2006/main" saveSubsetFonts="1">
+<p:presentation xmlns:a="http://schemas.openxmlformats.org/drawingml/2006/main" xmlns:r="http://schemas.openxmlformats.org/officeDocument/2006/relationships" xmlns:p="http://schemas.openxmlformats.org/presentationml/2006/main">
   <p:sldMasterIdLst>
     <p:sldMasterId id="2147483648" r:id="rId1"/>
   </p:sldMasterIdLst>
   <p:sldIdLst>
-    <p:sldId id="256" r:id="rId2"/>
+    <p:sldId id="256" r:id="rId3"/>
+    <p:sldId id="257" r:id="rId4"/>
+    <p:sldId id="258" r:id="rId5"/>
+    <p:sldId id="259" r:id="rId6"/>
+    <p:sldId id="260" r:id="rId7"/>
+    <p:sldId id="261" r:id="rId8"/>
+    <p:sldId id="262" r:id="rId9"/>
+    <p:sldId id="264" r:id="rId10"/>
   </p:sldIdLst>
   <p:sldSz cx="12192000" cy="6858000"/>
   <p:notesSz cx="6858000" cy="9144000"/>
@@ -238,7 +245,6 @@
           <a:p>
             <a:fld id="{63A1C593-65D0-4073-BCC9-577B9352EA97}" type="datetimeFigureOut">
               <a:rPr lang="en-US" smtClean="0"/>
-              <a:t>11/27/2015</a:t>
             </a:fld>
             <a:endParaRPr lang="en-US"/>
           </a:p>
@@ -280,18 +286,12 @@
           <a:p>
             <a:fld id="{9B618960-8005-486C-9A75-10CB2AAC16F9}" type="slidenum">
               <a:rPr lang="en-US" smtClean="0"/>
-              <a:t>‹#›</a:t>
             </a:fld>
             <a:endParaRPr lang="en-US"/>
           </a:p>
         </p:txBody>
       </p:sp>
     </p:spTree>
-    <p:extLst>
-      <p:ext uri="{BB962C8B-B14F-4D97-AF65-F5344CB8AC3E}">
-        <p14:creationId xmlns:p14="http://schemas.microsoft.com/office/powerpoint/2010/main" val="4001249340"/>
-      </p:ext>
-    </p:extLst>
   </p:cSld>
   <p:clrMapOvr>
     <a:masterClrMapping/>
@@ -359,6 +359,7 @@
               <a:rPr lang="en-US" smtClean="0"/>
               <a:t>Click to edit Master text styles</a:t>
             </a:r>
+            <a:endParaRPr lang="en-US" smtClean="0"/>
           </a:p>
           <a:p>
             <a:pPr lvl="1"/>
@@ -366,6 +367,7 @@
               <a:rPr lang="en-US" smtClean="0"/>
               <a:t>Second level</a:t>
             </a:r>
+            <a:endParaRPr lang="en-US" smtClean="0"/>
           </a:p>
           <a:p>
             <a:pPr lvl="2"/>
@@ -373,6 +375,7 @@
               <a:rPr lang="en-US" smtClean="0"/>
               <a:t>Third level</a:t>
             </a:r>
+            <a:endParaRPr lang="en-US" smtClean="0"/>
           </a:p>
           <a:p>
             <a:pPr lvl="3"/>
@@ -380,6 +383,7 @@
               <a:rPr lang="en-US" smtClean="0"/>
               <a:t>Fourth level</a:t>
             </a:r>
+            <a:endParaRPr lang="en-US" smtClean="0"/>
           </a:p>
           <a:p>
             <a:pPr lvl="4"/>
@@ -408,7 +412,6 @@
           <a:p>
             <a:fld id="{63A1C593-65D0-4073-BCC9-577B9352EA97}" type="datetimeFigureOut">
               <a:rPr lang="en-US" smtClean="0"/>
-              <a:t>11/27/2015</a:t>
             </a:fld>
             <a:endParaRPr lang="en-US"/>
           </a:p>
@@ -450,18 +453,12 @@
           <a:p>
             <a:fld id="{9B618960-8005-486C-9A75-10CB2AAC16F9}" type="slidenum">
               <a:rPr lang="en-US" smtClean="0"/>
-              <a:t>‹#›</a:t>
             </a:fld>
             <a:endParaRPr lang="en-US"/>
           </a:p>
         </p:txBody>
       </p:sp>
     </p:spTree>
-    <p:extLst>
-      <p:ext uri="{BB962C8B-B14F-4D97-AF65-F5344CB8AC3E}">
-        <p14:creationId xmlns:p14="http://schemas.microsoft.com/office/powerpoint/2010/main" val="682560079"/>
-      </p:ext>
-    </p:extLst>
   </p:cSld>
   <p:clrMapOvr>
     <a:masterClrMapping/>
@@ -539,6 +536,7 @@
               <a:rPr lang="en-US" smtClean="0"/>
               <a:t>Click to edit Master text styles</a:t>
             </a:r>
+            <a:endParaRPr lang="en-US" smtClean="0"/>
           </a:p>
           <a:p>
             <a:pPr lvl="1"/>
@@ -546,6 +544,7 @@
               <a:rPr lang="en-US" smtClean="0"/>
               <a:t>Second level</a:t>
             </a:r>
+            <a:endParaRPr lang="en-US" smtClean="0"/>
           </a:p>
           <a:p>
             <a:pPr lvl="2"/>
@@ -553,6 +552,7 @@
               <a:rPr lang="en-US" smtClean="0"/>
               <a:t>Third level</a:t>
             </a:r>
+            <a:endParaRPr lang="en-US" smtClean="0"/>
           </a:p>
           <a:p>
             <a:pPr lvl="3"/>
@@ -560,6 +560,7 @@
               <a:rPr lang="en-US" smtClean="0"/>
               <a:t>Fourth level</a:t>
             </a:r>
+            <a:endParaRPr lang="en-US" smtClean="0"/>
           </a:p>
           <a:p>
             <a:pPr lvl="4"/>
@@ -588,7 +589,6 @@
           <a:p>
             <a:fld id="{63A1C593-65D0-4073-BCC9-577B9352EA97}" type="datetimeFigureOut">
               <a:rPr lang="en-US" smtClean="0"/>
-              <a:t>11/27/2015</a:t>
             </a:fld>
             <a:endParaRPr lang="en-US"/>
           </a:p>
@@ -630,18 +630,12 @@
           <a:p>
             <a:fld id="{9B618960-8005-486C-9A75-10CB2AAC16F9}" type="slidenum">
               <a:rPr lang="en-US" smtClean="0"/>
-              <a:t>‹#›</a:t>
             </a:fld>
             <a:endParaRPr lang="en-US"/>
           </a:p>
         </p:txBody>
       </p:sp>
     </p:spTree>
-    <p:extLst>
-      <p:ext uri="{BB962C8B-B14F-4D97-AF65-F5344CB8AC3E}">
-        <p14:creationId xmlns:p14="http://schemas.microsoft.com/office/powerpoint/2010/main" val="3435286789"/>
-      </p:ext>
-    </p:extLst>
   </p:cSld>
   <p:clrMapOvr>
     <a:masterClrMapping/>
@@ -709,6 +703,7 @@
               <a:rPr lang="en-US" smtClean="0"/>
               <a:t>Click to edit Master text styles</a:t>
             </a:r>
+            <a:endParaRPr lang="en-US" smtClean="0"/>
           </a:p>
           <a:p>
             <a:pPr lvl="1"/>
@@ -716,6 +711,7 @@
               <a:rPr lang="en-US" smtClean="0"/>
               <a:t>Second level</a:t>
             </a:r>
+            <a:endParaRPr lang="en-US" smtClean="0"/>
           </a:p>
           <a:p>
             <a:pPr lvl="2"/>
@@ -723,6 +719,7 @@
               <a:rPr lang="en-US" smtClean="0"/>
               <a:t>Third level</a:t>
             </a:r>
+            <a:endParaRPr lang="en-US" smtClean="0"/>
           </a:p>
           <a:p>
             <a:pPr lvl="3"/>
@@ -730,6 +727,7 @@
               <a:rPr lang="en-US" smtClean="0"/>
               <a:t>Fourth level</a:t>
             </a:r>
+            <a:endParaRPr lang="en-US" smtClean="0"/>
           </a:p>
           <a:p>
             <a:pPr lvl="4"/>
@@ -758,7 +756,6 @@
           <a:p>
             <a:fld id="{63A1C593-65D0-4073-BCC9-577B9352EA97}" type="datetimeFigureOut">
               <a:rPr lang="en-US" smtClean="0"/>
-              <a:t>11/27/2015</a:t>
             </a:fld>
             <a:endParaRPr lang="en-US"/>
           </a:p>
@@ -800,18 +797,12 @@
           <a:p>
             <a:fld id="{9B618960-8005-486C-9A75-10CB2AAC16F9}" type="slidenum">
               <a:rPr lang="en-US" smtClean="0"/>
-              <a:t>‹#›</a:t>
             </a:fld>
             <a:endParaRPr lang="en-US"/>
           </a:p>
         </p:txBody>
       </p:sp>
     </p:spTree>
-    <p:extLst>
-      <p:ext uri="{BB962C8B-B14F-4D97-AF65-F5344CB8AC3E}">
-        <p14:creationId xmlns:p14="http://schemas.microsoft.com/office/powerpoint/2010/main" val="140206455"/>
-      </p:ext>
-    </p:extLst>
   </p:cSld>
   <p:clrMapOvr>
     <a:masterClrMapping/>
@@ -984,6 +975,7 @@
               <a:rPr lang="en-US" smtClean="0"/>
               <a:t>Click to edit Master text styles</a:t>
             </a:r>
+            <a:endParaRPr lang="en-US" smtClean="0"/>
           </a:p>
         </p:txBody>
       </p:sp>
@@ -1004,7 +996,6 @@
           <a:p>
             <a:fld id="{63A1C593-65D0-4073-BCC9-577B9352EA97}" type="datetimeFigureOut">
               <a:rPr lang="en-US" smtClean="0"/>
-              <a:t>11/27/2015</a:t>
             </a:fld>
             <a:endParaRPr lang="en-US"/>
           </a:p>
@@ -1046,18 +1037,12 @@
           <a:p>
             <a:fld id="{9B618960-8005-486C-9A75-10CB2AAC16F9}" type="slidenum">
               <a:rPr lang="en-US" smtClean="0"/>
-              <a:t>‹#›</a:t>
             </a:fld>
             <a:endParaRPr lang="en-US"/>
           </a:p>
         </p:txBody>
       </p:sp>
     </p:spTree>
-    <p:extLst>
-      <p:ext uri="{BB962C8B-B14F-4D97-AF65-F5344CB8AC3E}">
-        <p14:creationId xmlns:p14="http://schemas.microsoft.com/office/powerpoint/2010/main" val="1965547352"/>
-      </p:ext>
-    </p:extLst>
   </p:cSld>
   <p:clrMapOvr>
     <a:masterClrMapping/>
@@ -1130,6 +1115,7 @@
               <a:rPr lang="en-US" smtClean="0"/>
               <a:t>Click to edit Master text styles</a:t>
             </a:r>
+            <a:endParaRPr lang="en-US" smtClean="0"/>
           </a:p>
           <a:p>
             <a:pPr lvl="1"/>
@@ -1137,6 +1123,7 @@
               <a:rPr lang="en-US" smtClean="0"/>
               <a:t>Second level</a:t>
             </a:r>
+            <a:endParaRPr lang="en-US" smtClean="0"/>
           </a:p>
           <a:p>
             <a:pPr lvl="2"/>
@@ -1144,6 +1131,7 @@
               <a:rPr lang="en-US" smtClean="0"/>
               <a:t>Third level</a:t>
             </a:r>
+            <a:endParaRPr lang="en-US" smtClean="0"/>
           </a:p>
           <a:p>
             <a:pPr lvl="3"/>
@@ -1151,6 +1139,7 @@
               <a:rPr lang="en-US" smtClean="0"/>
               <a:t>Fourth level</a:t>
             </a:r>
+            <a:endParaRPr lang="en-US" smtClean="0"/>
           </a:p>
           <a:p>
             <a:pPr lvl="4"/>
@@ -1187,6 +1176,7 @@
               <a:rPr lang="en-US" smtClean="0"/>
               <a:t>Click to edit Master text styles</a:t>
             </a:r>
+            <a:endParaRPr lang="en-US" smtClean="0"/>
           </a:p>
           <a:p>
             <a:pPr lvl="1"/>
@@ -1194,6 +1184,7 @@
               <a:rPr lang="en-US" smtClean="0"/>
               <a:t>Second level</a:t>
             </a:r>
+            <a:endParaRPr lang="en-US" smtClean="0"/>
           </a:p>
           <a:p>
             <a:pPr lvl="2"/>
@@ -1201,6 +1192,7 @@
               <a:rPr lang="en-US" smtClean="0"/>
               <a:t>Third level</a:t>
             </a:r>
+            <a:endParaRPr lang="en-US" smtClean="0"/>
           </a:p>
           <a:p>
             <a:pPr lvl="3"/>
@@ -1208,6 +1200,7 @@
               <a:rPr lang="en-US" smtClean="0"/>
               <a:t>Fourth level</a:t>
             </a:r>
+            <a:endParaRPr lang="en-US" smtClean="0"/>
           </a:p>
           <a:p>
             <a:pPr lvl="4"/>
@@ -1236,7 +1229,6 @@
           <a:p>
             <a:fld id="{63A1C593-65D0-4073-BCC9-577B9352EA97}" type="datetimeFigureOut">
               <a:rPr lang="en-US" smtClean="0"/>
-              <a:t>11/27/2015</a:t>
             </a:fld>
             <a:endParaRPr lang="en-US"/>
           </a:p>
@@ -1278,18 +1270,12 @@
           <a:p>
             <a:fld id="{9B618960-8005-486C-9A75-10CB2AAC16F9}" type="slidenum">
               <a:rPr lang="en-US" smtClean="0"/>
-              <a:t>‹#›</a:t>
             </a:fld>
             <a:endParaRPr lang="en-US"/>
           </a:p>
         </p:txBody>
       </p:sp>
     </p:spTree>
-    <p:extLst>
-      <p:ext uri="{BB962C8B-B14F-4D97-AF65-F5344CB8AC3E}">
-        <p14:creationId xmlns:p14="http://schemas.microsoft.com/office/powerpoint/2010/main" val="2375149612"/>
-      </p:ext>
-    </p:extLst>
   </p:cSld>
   <p:clrMapOvr>
     <a:masterClrMapping/>
@@ -1404,6 +1390,7 @@
               <a:rPr lang="en-US" smtClean="0"/>
               <a:t>Click to edit Master text styles</a:t>
             </a:r>
+            <a:endParaRPr lang="en-US" smtClean="0"/>
           </a:p>
         </p:txBody>
       </p:sp>
@@ -1432,6 +1419,7 @@
               <a:rPr lang="en-US" smtClean="0"/>
               <a:t>Click to edit Master text styles</a:t>
             </a:r>
+            <a:endParaRPr lang="en-US" smtClean="0"/>
           </a:p>
           <a:p>
             <a:pPr lvl="1"/>
@@ -1439,6 +1427,7 @@
               <a:rPr lang="en-US" smtClean="0"/>
               <a:t>Second level</a:t>
             </a:r>
+            <a:endParaRPr lang="en-US" smtClean="0"/>
           </a:p>
           <a:p>
             <a:pPr lvl="2"/>
@@ -1446,6 +1435,7 @@
               <a:rPr lang="en-US" smtClean="0"/>
               <a:t>Third level</a:t>
             </a:r>
+            <a:endParaRPr lang="en-US" smtClean="0"/>
           </a:p>
           <a:p>
             <a:pPr lvl="3"/>
@@ -1453,6 +1443,7 @@
               <a:rPr lang="en-US" smtClean="0"/>
               <a:t>Fourth level</a:t>
             </a:r>
+            <a:endParaRPr lang="en-US" smtClean="0"/>
           </a:p>
           <a:p>
             <a:pPr lvl="4"/>
@@ -1526,6 +1517,7 @@
               <a:rPr lang="en-US" smtClean="0"/>
               <a:t>Click to edit Master text styles</a:t>
             </a:r>
+            <a:endParaRPr lang="en-US" smtClean="0"/>
           </a:p>
         </p:txBody>
       </p:sp>
@@ -1554,6 +1546,7 @@
               <a:rPr lang="en-US" smtClean="0"/>
               <a:t>Click to edit Master text styles</a:t>
             </a:r>
+            <a:endParaRPr lang="en-US" smtClean="0"/>
           </a:p>
           <a:p>
             <a:pPr lvl="1"/>
@@ -1561,6 +1554,7 @@
               <a:rPr lang="en-US" smtClean="0"/>
               <a:t>Second level</a:t>
             </a:r>
+            <a:endParaRPr lang="en-US" smtClean="0"/>
           </a:p>
           <a:p>
             <a:pPr lvl="2"/>
@@ -1568,6 +1562,7 @@
               <a:rPr lang="en-US" smtClean="0"/>
               <a:t>Third level</a:t>
             </a:r>
+            <a:endParaRPr lang="en-US" smtClean="0"/>
           </a:p>
           <a:p>
             <a:pPr lvl="3"/>
@@ -1575,6 +1570,7 @@
               <a:rPr lang="en-US" smtClean="0"/>
               <a:t>Fourth level</a:t>
             </a:r>
+            <a:endParaRPr lang="en-US" smtClean="0"/>
           </a:p>
           <a:p>
             <a:pPr lvl="4"/>
@@ -1603,7 +1599,6 @@
           <a:p>
             <a:fld id="{63A1C593-65D0-4073-BCC9-577B9352EA97}" type="datetimeFigureOut">
               <a:rPr lang="en-US" smtClean="0"/>
-              <a:t>11/27/2015</a:t>
             </a:fld>
             <a:endParaRPr lang="en-US"/>
           </a:p>
@@ -1645,18 +1640,12 @@
           <a:p>
             <a:fld id="{9B618960-8005-486C-9A75-10CB2AAC16F9}" type="slidenum">
               <a:rPr lang="en-US" smtClean="0"/>
-              <a:t>‹#›</a:t>
             </a:fld>
             <a:endParaRPr lang="en-US"/>
           </a:p>
         </p:txBody>
       </p:sp>
     </p:spTree>
-    <p:extLst>
-      <p:ext uri="{BB962C8B-B14F-4D97-AF65-F5344CB8AC3E}">
-        <p14:creationId xmlns:p14="http://schemas.microsoft.com/office/powerpoint/2010/main" val="412943597"/>
-      </p:ext>
-    </p:extLst>
   </p:cSld>
   <p:clrMapOvr>
     <a:masterClrMapping/>
@@ -1721,7 +1710,6 @@
           <a:p>
             <a:fld id="{63A1C593-65D0-4073-BCC9-577B9352EA97}" type="datetimeFigureOut">
               <a:rPr lang="en-US" smtClean="0"/>
-              <a:t>11/27/2015</a:t>
             </a:fld>
             <a:endParaRPr lang="en-US"/>
           </a:p>
@@ -1763,18 +1751,12 @@
           <a:p>
             <a:fld id="{9B618960-8005-486C-9A75-10CB2AAC16F9}" type="slidenum">
               <a:rPr lang="en-US" smtClean="0"/>
-              <a:t>‹#›</a:t>
             </a:fld>
             <a:endParaRPr lang="en-US"/>
           </a:p>
         </p:txBody>
       </p:sp>
     </p:spTree>
-    <p:extLst>
-      <p:ext uri="{BB962C8B-B14F-4D97-AF65-F5344CB8AC3E}">
-        <p14:creationId xmlns:p14="http://schemas.microsoft.com/office/powerpoint/2010/main" val="3558084423"/>
-      </p:ext>
-    </p:extLst>
   </p:cSld>
   <p:clrMapOvr>
     <a:masterClrMapping/>
@@ -1816,7 +1798,6 @@
           <a:p>
             <a:fld id="{63A1C593-65D0-4073-BCC9-577B9352EA97}" type="datetimeFigureOut">
               <a:rPr lang="en-US" smtClean="0"/>
-              <a:t>11/27/2015</a:t>
             </a:fld>
             <a:endParaRPr lang="en-US"/>
           </a:p>
@@ -1858,18 +1839,12 @@
           <a:p>
             <a:fld id="{9B618960-8005-486C-9A75-10CB2AAC16F9}" type="slidenum">
               <a:rPr lang="en-US" smtClean="0"/>
-              <a:t>‹#›</a:t>
             </a:fld>
             <a:endParaRPr lang="en-US"/>
           </a:p>
         </p:txBody>
       </p:sp>
     </p:spTree>
-    <p:extLst>
-      <p:ext uri="{BB962C8B-B14F-4D97-AF65-F5344CB8AC3E}">
-        <p14:creationId xmlns:p14="http://schemas.microsoft.com/office/powerpoint/2010/main" val="2454063194"/>
-      </p:ext>
-    </p:extLst>
   </p:cSld>
   <p:clrMapOvr>
     <a:masterClrMapping/>
@@ -1979,6 +1954,7 @@
               <a:rPr lang="en-US" smtClean="0"/>
               <a:t>Click to edit Master text styles</a:t>
             </a:r>
+            <a:endParaRPr lang="en-US" smtClean="0"/>
           </a:p>
           <a:p>
             <a:pPr lvl="1"/>
@@ -1986,6 +1962,7 @@
               <a:rPr lang="en-US" smtClean="0"/>
               <a:t>Second level</a:t>
             </a:r>
+            <a:endParaRPr lang="en-US" smtClean="0"/>
           </a:p>
           <a:p>
             <a:pPr lvl="2"/>
@@ -1993,6 +1970,7 @@
               <a:rPr lang="en-US" smtClean="0"/>
               <a:t>Third level</a:t>
             </a:r>
+            <a:endParaRPr lang="en-US" smtClean="0"/>
           </a:p>
           <a:p>
             <a:pPr lvl="3"/>
@@ -2000,6 +1978,7 @@
               <a:rPr lang="en-US" smtClean="0"/>
               <a:t>Fourth level</a:t>
             </a:r>
+            <a:endParaRPr lang="en-US" smtClean="0"/>
           </a:p>
           <a:p>
             <a:pPr lvl="4"/>
@@ -2073,6 +2052,7 @@
               <a:rPr lang="en-US" smtClean="0"/>
               <a:t>Click to edit Master text styles</a:t>
             </a:r>
+            <a:endParaRPr lang="en-US" smtClean="0"/>
           </a:p>
         </p:txBody>
       </p:sp>
@@ -2093,7 +2073,6 @@
           <a:p>
             <a:fld id="{63A1C593-65D0-4073-BCC9-577B9352EA97}" type="datetimeFigureOut">
               <a:rPr lang="en-US" smtClean="0"/>
-              <a:t>11/27/2015</a:t>
             </a:fld>
             <a:endParaRPr lang="en-US"/>
           </a:p>
@@ -2135,18 +2114,12 @@
           <a:p>
             <a:fld id="{9B618960-8005-486C-9A75-10CB2AAC16F9}" type="slidenum">
               <a:rPr lang="en-US" smtClean="0"/>
-              <a:t>‹#›</a:t>
             </a:fld>
             <a:endParaRPr lang="en-US"/>
           </a:p>
         </p:txBody>
       </p:sp>
     </p:spTree>
-    <p:extLst>
-      <p:ext uri="{BB962C8B-B14F-4D97-AF65-F5344CB8AC3E}">
-        <p14:creationId xmlns:p14="http://schemas.microsoft.com/office/powerpoint/2010/main" val="3300537932"/>
-      </p:ext>
-    </p:extLst>
   </p:cSld>
   <p:clrMapOvr>
     <a:masterClrMapping/>
@@ -2326,6 +2299,7 @@
               <a:rPr lang="en-US" smtClean="0"/>
               <a:t>Click to edit Master text styles</a:t>
             </a:r>
+            <a:endParaRPr lang="en-US" smtClean="0"/>
           </a:p>
         </p:txBody>
       </p:sp>
@@ -2346,7 +2320,6 @@
           <a:p>
             <a:fld id="{63A1C593-65D0-4073-BCC9-577B9352EA97}" type="datetimeFigureOut">
               <a:rPr lang="en-US" smtClean="0"/>
-              <a:t>11/27/2015</a:t>
             </a:fld>
             <a:endParaRPr lang="en-US"/>
           </a:p>
@@ -2388,18 +2361,12 @@
           <a:p>
             <a:fld id="{9B618960-8005-486C-9A75-10CB2AAC16F9}" type="slidenum">
               <a:rPr lang="en-US" smtClean="0"/>
-              <a:t>‹#›</a:t>
             </a:fld>
             <a:endParaRPr lang="en-US"/>
           </a:p>
         </p:txBody>
       </p:sp>
     </p:spTree>
-    <p:extLst>
-      <p:ext uri="{BB962C8B-B14F-4D97-AF65-F5344CB8AC3E}">
-        <p14:creationId xmlns:p14="http://schemas.microsoft.com/office/powerpoint/2010/main" val="585876398"/>
-      </p:ext>
-    </p:extLst>
   </p:cSld>
   <p:clrMapOvr>
     <a:masterClrMapping/>
@@ -2492,6 +2459,7 @@
               <a:rPr lang="en-US" smtClean="0"/>
               <a:t>Click to edit Master text styles</a:t>
             </a:r>
+            <a:endParaRPr lang="en-US" smtClean="0"/>
           </a:p>
           <a:p>
             <a:pPr lvl="1"/>
@@ -2499,6 +2467,7 @@
               <a:rPr lang="en-US" smtClean="0"/>
               <a:t>Second level</a:t>
             </a:r>
+            <a:endParaRPr lang="en-US" smtClean="0"/>
           </a:p>
           <a:p>
             <a:pPr lvl="2"/>
@@ -2506,6 +2475,7 @@
               <a:rPr lang="en-US" smtClean="0"/>
               <a:t>Third level</a:t>
             </a:r>
+            <a:endParaRPr lang="en-US" smtClean="0"/>
           </a:p>
           <a:p>
             <a:pPr lvl="3"/>
@@ -2513,6 +2483,7 @@
               <a:rPr lang="en-US" smtClean="0"/>
               <a:t>Fourth level</a:t>
             </a:r>
+            <a:endParaRPr lang="en-US" smtClean="0"/>
           </a:p>
           <a:p>
             <a:pPr lvl="4"/>
@@ -2559,7 +2530,6 @@
           <a:p>
             <a:fld id="{63A1C593-65D0-4073-BCC9-577B9352EA97}" type="datetimeFigureOut">
               <a:rPr lang="en-US" smtClean="0"/>
-              <a:t>11/27/2015</a:t>
             </a:fld>
             <a:endParaRPr lang="en-US"/>
           </a:p>
@@ -2637,18 +2607,12 @@
           <a:p>
             <a:fld id="{9B618960-8005-486C-9A75-10CB2AAC16F9}" type="slidenum">
               <a:rPr lang="en-US" smtClean="0"/>
-              <a:t>‹#›</a:t>
             </a:fld>
             <a:endParaRPr lang="en-US"/>
           </a:p>
         </p:txBody>
       </p:sp>
     </p:spTree>
-    <p:extLst>
-      <p:ext uri="{BB962C8B-B14F-4D97-AF65-F5344CB8AC3E}">
-        <p14:creationId xmlns:p14="http://schemas.microsoft.com/office/powerpoint/2010/main" val="3597300896"/>
-      </p:ext>
-    </p:extLst>
   </p:cSld>
   <p:clrMap bg1="lt1" tx1="dk1" bg2="lt2" tx2="dk2" accent1="accent1" accent2="accent2" accent3="accent3" accent4="accent4" accent5="accent5" accent6="accent6" hlink="hlink" folHlink="folHlink"/>
   <p:sldLayoutIdLst>
@@ -2974,40 +2938,1413 @@
             <p:ph type="ctrTitle"/>
           </p:nvPr>
         </p:nvSpPr>
-        <p:spPr/>
-        <p:txBody>
-          <a:bodyPr/>
-          <a:lstStyle/>
-          <a:p>
-            <a:endParaRPr lang="en-US" dirty="0"/>
-          </a:p>
-        </p:txBody>
-      </p:sp>
-      <p:sp>
-        <p:nvSpPr>
-          <p:cNvPr id="3" name="Subtitle 2"/>
-          <p:cNvSpPr>
-            <a:spLocks noGrp="1"/>
-          </p:cNvSpPr>
-          <p:nvPr>
-            <p:ph type="subTitle" idx="1"/>
-          </p:nvPr>
-        </p:nvSpPr>
-        <p:spPr/>
-        <p:txBody>
-          <a:bodyPr/>
-          <a:lstStyle/>
-          <a:p>
-            <a:endParaRPr lang="en-US"/>
+        <p:spPr>
+          <a:xfrm>
+            <a:off x="1524000" y="1122680"/>
+            <a:ext cx="9144000" cy="3074035"/>
+          </a:xfrm>
+        </p:spPr>
+        <p:txBody>
+          <a:bodyPr>
+            <a:normAutofit/>
+          </a:bodyPr>
+          <a:lstStyle/>
+          <a:p>
+            <a:r>
+              <a:rPr lang="en-US" altLang="zh-CN" sz="4400" dirty="0"/>
+              <a:t>TF Girls </a:t>
+            </a:r>
+            <a:r>
+              <a:rPr lang="zh-CN" altLang="en-US" sz="4400" dirty="0"/>
+              <a:t>修炼指南 </a:t>
+            </a:r>
+            <a:r>
+              <a:rPr lang="en-US" altLang="zh-CN" sz="4400" dirty="0"/>
+              <a:t>12</a:t>
+            </a:r>
+            <a:r>
+              <a:rPr lang="zh-CN" altLang="en-US" sz="4400" dirty="0"/>
+              <a:t>：</a:t>
+            </a:r>
+            <a:br>
+              <a:rPr lang="zh-CN" sz="4400" dirty="0"/>
+            </a:br>
+            <a:r>
+              <a:rPr lang="zh-CN" sz="4400" dirty="0"/>
+              <a:t>【复习】卷积神经网络</a:t>
+            </a:r>
+            <a:br>
+              <a:rPr lang="zh-CN" sz="4400" dirty="0"/>
+            </a:br>
+            <a:r>
+              <a:rPr lang="en-US" altLang="zh-CN" sz="4400" dirty="0"/>
+              <a:t>Convolutional Neural Network</a:t>
+            </a:r>
+            <a:endParaRPr lang="en-US" altLang="zh-CN" sz="4400" dirty="0"/>
           </a:p>
         </p:txBody>
       </p:sp>
     </p:spTree>
-    <p:extLst>
-      <p:ext uri="{BB962C8B-B14F-4D97-AF65-F5344CB8AC3E}">
-        <p14:creationId xmlns:p14="http://schemas.microsoft.com/office/powerpoint/2010/main" val="3072013332"/>
-      </p:ext>
-    </p:extLst>
+  </p:cSld>
+  <p:clrMapOvr>
+    <a:masterClrMapping/>
+  </p:clrMapOvr>
+</p:sld>
+</file>
+
+<file path=ppt/slides/slide2.xml><?xml version="1.0" encoding="utf-8"?>
+<p:sld xmlns:a="http://schemas.openxmlformats.org/drawingml/2006/main" xmlns:r="http://schemas.openxmlformats.org/officeDocument/2006/relationships" xmlns:p="http://schemas.openxmlformats.org/presentationml/2006/main">
+  <p:cSld>
+    <p:spTree>
+      <p:nvGrpSpPr>
+        <p:cNvPr id="1" name=""/>
+        <p:cNvGrpSpPr/>
+        <p:nvPr/>
+      </p:nvGrpSpPr>
+      <p:grpSpPr/>
+      <p:sp>
+        <p:nvSpPr>
+          <p:cNvPr id="2" name="Title 1"/>
+          <p:cNvSpPr>
+            <a:spLocks noGrp="1"/>
+          </p:cNvSpPr>
+          <p:nvPr>
+            <p:ph type="title"/>
+          </p:nvPr>
+        </p:nvSpPr>
+        <p:spPr/>
+        <p:txBody>
+          <a:bodyPr/>
+          <a:p>
+            <a:r>
+              <a:rPr lang="zh-CN" altLang="en-US" sz="3200"/>
+              <a:t>我们先不忙看它是什么，先来看它要解决什么问题</a:t>
+            </a:r>
+            <a:endParaRPr lang="zh-CN" altLang="en-US" sz="3200"/>
+          </a:p>
+        </p:txBody>
+      </p:sp>
+      <p:sp>
+        <p:nvSpPr>
+          <p:cNvPr id="3" name="Content Placeholder 2"/>
+          <p:cNvSpPr>
+            <a:spLocks noGrp="1"/>
+          </p:cNvSpPr>
+          <p:nvPr>
+            <p:ph sz="half" idx="1"/>
+          </p:nvPr>
+        </p:nvSpPr>
+        <p:spPr>
+          <a:xfrm>
+            <a:off x="838200" y="1825625"/>
+            <a:ext cx="10307320" cy="4351655"/>
+          </a:xfrm>
+        </p:spPr>
+        <p:txBody>
+          <a:bodyPr/>
+          <a:p>
+            <a:pPr marL="0" indent="0">
+              <a:buNone/>
+            </a:pPr>
+            <a:r>
+              <a:rPr lang="zh-CN" altLang="en-US"/>
+              <a:t>计算机视觉是一个很有挑战性的问题，我们就拿图像识别举例</a:t>
+            </a:r>
+            <a:endParaRPr lang="zh-CN" altLang="en-US"/>
+          </a:p>
+        </p:txBody>
+      </p:sp>
+      <p:pic>
+        <p:nvPicPr>
+          <p:cNvPr id="4" name="Content Placeholder 3"/>
+          <p:cNvPicPr>
+            <a:picLocks noChangeAspect="1"/>
+          </p:cNvPicPr>
+          <p:nvPr>
+            <p:ph sz="half" idx="2"/>
+          </p:nvPr>
+        </p:nvPicPr>
+        <p:blipFill>
+          <a:blip r:embed="rId1"/>
+          <a:stretch>
+            <a:fillRect/>
+          </a:stretch>
+        </p:blipFill>
+        <p:spPr>
+          <a:xfrm>
+            <a:off x="565150" y="2692400"/>
+            <a:ext cx="5181600" cy="2915285"/>
+          </a:xfrm>
+          <a:prstGeom prst="rect">
+            <a:avLst/>
+          </a:prstGeom>
+        </p:spPr>
+      </p:pic>
+      <p:pic>
+        <p:nvPicPr>
+          <p:cNvPr id="5" name="Picture 4"/>
+          <p:cNvPicPr>
+            <a:picLocks noChangeAspect="1"/>
+          </p:cNvPicPr>
+          <p:nvPr/>
+        </p:nvPicPr>
+        <p:blipFill>
+          <a:blip r:embed="rId2"/>
+          <a:stretch>
+            <a:fillRect/>
+          </a:stretch>
+        </p:blipFill>
+        <p:spPr>
+          <a:xfrm>
+            <a:off x="6139180" y="2692400"/>
+            <a:ext cx="5006340" cy="3754755"/>
+          </a:xfrm>
+          <a:prstGeom prst="rect">
+            <a:avLst/>
+          </a:prstGeom>
+        </p:spPr>
+      </p:pic>
+    </p:spTree>
+  </p:cSld>
+  <p:clrMapOvr>
+    <a:masterClrMapping/>
+  </p:clrMapOvr>
+</p:sld>
+</file>
+
+<file path=ppt/slides/slide3.xml><?xml version="1.0" encoding="utf-8"?>
+<p:sld xmlns:a="http://schemas.openxmlformats.org/drawingml/2006/main" xmlns:r="http://schemas.openxmlformats.org/officeDocument/2006/relationships" xmlns:p="http://schemas.openxmlformats.org/presentationml/2006/main">
+  <p:cSld>
+    <p:spTree>
+      <p:nvGrpSpPr>
+        <p:cNvPr id="1" name=""/>
+        <p:cNvGrpSpPr/>
+        <p:nvPr/>
+      </p:nvGrpSpPr>
+      <p:grpSpPr/>
+      <p:sp>
+        <p:nvSpPr>
+          <p:cNvPr id="2" name="Title 1"/>
+          <p:cNvSpPr>
+            <a:spLocks noGrp="1"/>
+          </p:cNvSpPr>
+          <p:nvPr>
+            <p:ph type="title"/>
+          </p:nvPr>
+        </p:nvSpPr>
+        <p:spPr/>
+        <p:txBody>
+          <a:bodyPr/>
+          <a:p>
+            <a:r>
+              <a:rPr lang="zh-CN" altLang="en-US" sz="3200"/>
+              <a:t>老式的计算机视觉是怎么做的呢？</a:t>
+            </a:r>
+            <a:endParaRPr lang="zh-CN" altLang="en-US" sz="3200"/>
+          </a:p>
+        </p:txBody>
+      </p:sp>
+      <p:sp>
+        <p:nvSpPr>
+          <p:cNvPr id="3" name="Content Placeholder 2"/>
+          <p:cNvSpPr>
+            <a:spLocks noGrp="1"/>
+          </p:cNvSpPr>
+          <p:nvPr>
+            <p:ph sz="half" idx="1"/>
+          </p:nvPr>
+        </p:nvSpPr>
+        <p:spPr>
+          <a:xfrm>
+            <a:off x="838200" y="1825625"/>
+            <a:ext cx="5181600" cy="3275330"/>
+          </a:xfrm>
+        </p:spPr>
+        <p:txBody>
+          <a:bodyPr/>
+          <a:p>
+            <a:pPr marL="0" indent="0">
+              <a:buNone/>
+            </a:pPr>
+            <a:r>
+              <a:rPr lang="zh-CN" altLang="en-US"/>
+              <a:t>比如 </a:t>
+            </a:r>
+            <a:r>
+              <a:rPr lang="en-US" altLang="zh-CN"/>
+              <a:t>OpenCV</a:t>
+            </a:r>
+            <a:r>
+              <a:rPr lang="zh-CN" altLang="en-US"/>
+              <a:t>：</a:t>
+            </a:r>
+            <a:endParaRPr lang="zh-CN" altLang="en-US"/>
+          </a:p>
+          <a:p>
+            <a:pPr marL="0" indent="0">
+              <a:buNone/>
+            </a:pPr>
+            <a:r>
+              <a:rPr lang="zh-CN" altLang="en-US"/>
+              <a:t>你首先需要理解很多算法，比如如何检测线条</a:t>
+            </a:r>
+            <a:r>
+              <a:rPr lang="en-US" altLang="zh-CN"/>
+              <a:t>(Edge Detection)</a:t>
+            </a:r>
+            <a:r>
+              <a:rPr lang="zh-CN" altLang="en-US"/>
+              <a:t>，如何做形态学变化</a:t>
+            </a:r>
+            <a:r>
+              <a:rPr lang="en-US" altLang="zh-CN"/>
+              <a:t>... </a:t>
+            </a:r>
+            <a:endParaRPr lang="en-US" altLang="zh-CN"/>
+          </a:p>
+          <a:p>
+            <a:pPr marL="0" indent="0">
+              <a:buNone/>
+            </a:pPr>
+            <a:r>
+              <a:rPr lang="zh-CN" altLang="en-US"/>
+              <a:t>然后根据你的知识</a:t>
+            </a:r>
+            <a:r>
+              <a:rPr lang="en-US" altLang="zh-CN"/>
+              <a:t>+</a:t>
+            </a:r>
+            <a:r>
+              <a:rPr lang="zh-CN" altLang="en-US"/>
+              <a:t>经验</a:t>
+            </a:r>
+            <a:r>
+              <a:rPr lang="en-US" altLang="zh-CN"/>
+              <a:t>+</a:t>
+            </a:r>
+            <a:r>
+              <a:rPr lang="zh-CN" altLang="en-US"/>
+              <a:t>脑洞，来设计很多特征。再用这些特征去比对一张图像是不是阿猫阿狗。</a:t>
+            </a:r>
+            <a:endParaRPr lang="zh-CN" altLang="en-US"/>
+          </a:p>
+        </p:txBody>
+      </p:sp>
+      <p:sp>
+        <p:nvSpPr>
+          <p:cNvPr id="4" name="Content Placeholder 3"/>
+          <p:cNvSpPr>
+            <a:spLocks noGrp="1"/>
+          </p:cNvSpPr>
+          <p:nvPr>
+            <p:ph sz="half" idx="2"/>
+          </p:nvPr>
+        </p:nvSpPr>
+        <p:spPr>
+          <a:xfrm>
+            <a:off x="6172200" y="1825625"/>
+            <a:ext cx="5181600" cy="3275330"/>
+          </a:xfrm>
+        </p:spPr>
+        <p:txBody>
+          <a:bodyPr/>
+          <a:p>
+            <a:pPr marL="0" indent="0">
+              <a:buNone/>
+            </a:pPr>
+            <a:r>
+              <a:rPr lang="zh-CN" altLang="en-US"/>
+              <a:t>这样做有什么问题呢？</a:t>
+            </a:r>
+            <a:endParaRPr lang="zh-CN" altLang="en-US"/>
+          </a:p>
+          <a:p>
+            <a:pPr marL="0" indent="0">
+              <a:buNone/>
+            </a:pPr>
+            <a:r>
+              <a:rPr lang="zh-CN" altLang="en-US"/>
+              <a:t>每一种不同的物件，你都得去设计特征。</a:t>
+            </a:r>
+            <a:endParaRPr lang="zh-CN" altLang="en-US"/>
+          </a:p>
+          <a:p>
+            <a:pPr marL="0" indent="0">
+              <a:buNone/>
+            </a:pPr>
+            <a:r>
+              <a:rPr lang="zh-CN" altLang="en-US"/>
+              <a:t>这样的人工智能主要是人工，而不是智能。</a:t>
+            </a:r>
+            <a:endParaRPr lang="zh-CN" altLang="en-US"/>
+          </a:p>
+        </p:txBody>
+      </p:sp>
+      <p:sp>
+        <p:nvSpPr>
+          <p:cNvPr id="6" name="Text Box 5"/>
+          <p:cNvSpPr txBox="1"/>
+          <p:nvPr/>
+        </p:nvSpPr>
+        <p:spPr>
+          <a:xfrm>
+            <a:off x="1089025" y="5283200"/>
+            <a:ext cx="10013950" cy="460375"/>
+          </a:xfrm>
+          <a:prstGeom prst="rect">
+            <a:avLst/>
+          </a:prstGeom>
+          <a:noFill/>
+        </p:spPr>
+        <p:txBody>
+          <a:bodyPr wrap="square" rtlCol="0">
+            <a:spAutoFit/>
+          </a:bodyPr>
+          <a:p>
+            <a:r>
+              <a:rPr lang="zh-CN" altLang="en-US" sz="2400"/>
+              <a:t>老式的流程：原始数据 </a:t>
+            </a:r>
+            <a:r>
+              <a:rPr lang="en-US" altLang="zh-CN" sz="2400"/>
+              <a:t>-&gt; </a:t>
+            </a:r>
+            <a:r>
+              <a:rPr lang="zh-CN" altLang="en-US" sz="2400"/>
+              <a:t>人工特征提取 </a:t>
+            </a:r>
+            <a:r>
+              <a:rPr lang="en-US" altLang="zh-CN" sz="2400"/>
+              <a:t>-&gt; </a:t>
+            </a:r>
+            <a:r>
+              <a:rPr lang="zh-CN" altLang="en-US" sz="2400"/>
+              <a:t>算法 </a:t>
+            </a:r>
+            <a:r>
+              <a:rPr lang="en-US" altLang="zh-CN" sz="2400"/>
+              <a:t>-&gt; </a:t>
+            </a:r>
+            <a:r>
+              <a:rPr lang="zh-CN" altLang="en-US" sz="2400"/>
+              <a:t>结果</a:t>
+            </a:r>
+            <a:endParaRPr lang="zh-CN" altLang="en-US" sz="2400"/>
+          </a:p>
+        </p:txBody>
+      </p:sp>
+    </p:spTree>
+  </p:cSld>
+  <p:clrMapOvr>
+    <a:masterClrMapping/>
+  </p:clrMapOvr>
+</p:sld>
+</file>
+
+<file path=ppt/slides/slide4.xml><?xml version="1.0" encoding="utf-8"?>
+<p:sld xmlns:a="http://schemas.openxmlformats.org/drawingml/2006/main" xmlns:r="http://schemas.openxmlformats.org/officeDocument/2006/relationships" xmlns:p="http://schemas.openxmlformats.org/presentationml/2006/main">
+  <p:cSld>
+    <p:spTree>
+      <p:nvGrpSpPr>
+        <p:cNvPr id="1" name=""/>
+        <p:cNvGrpSpPr/>
+        <p:nvPr/>
+      </p:nvGrpSpPr>
+      <p:grpSpPr/>
+      <p:sp>
+        <p:nvSpPr>
+          <p:cNvPr id="2" name="Title 1"/>
+          <p:cNvSpPr>
+            <a:spLocks noGrp="1"/>
+          </p:cNvSpPr>
+          <p:nvPr>
+            <p:ph type="title"/>
+          </p:nvPr>
+        </p:nvSpPr>
+        <p:spPr/>
+        <p:txBody>
+          <a:bodyPr/>
+          <a:p>
+            <a:r>
+              <a:rPr lang="zh-CN" sz="3200">
+                <a:sym typeface="+mn-ea"/>
+              </a:rPr>
+              <a:t>卷积要解决的就是自动的特征提取 </a:t>
+            </a:r>
+            <a:r>
+              <a:rPr lang="en-US" altLang="zh-CN" sz="3200">
+                <a:sym typeface="+mn-ea"/>
+              </a:rPr>
+              <a:t>(Feature Extraction)</a:t>
+            </a:r>
+            <a:endParaRPr lang="en-US" altLang="zh-CN" sz="3200">
+              <a:sym typeface="+mn-ea"/>
+            </a:endParaRPr>
+          </a:p>
+        </p:txBody>
+      </p:sp>
+      <p:sp>
+        <p:nvSpPr>
+          <p:cNvPr id="3" name="Content Placeholder 2"/>
+          <p:cNvSpPr>
+            <a:spLocks noGrp="1"/>
+          </p:cNvSpPr>
+          <p:nvPr>
+            <p:ph sz="half" idx="1"/>
+          </p:nvPr>
+        </p:nvSpPr>
+        <p:spPr>
+          <a:xfrm>
+            <a:off x="838200" y="1825625"/>
+            <a:ext cx="9604375" cy="4351655"/>
+          </a:xfrm>
+        </p:spPr>
+        <p:txBody>
+          <a:bodyPr/>
+          <a:p>
+            <a:pPr marL="0" indent="0">
+              <a:buNone/>
+            </a:pPr>
+            <a:r>
+              <a:rPr lang="zh-CN" altLang="en-US">
+                <a:sym typeface="+mn-ea"/>
+              </a:rPr>
+              <a:t>卷积神经网络：原始数据 </a:t>
+            </a:r>
+            <a:r>
+              <a:rPr lang="en-US" altLang="zh-CN">
+                <a:sym typeface="+mn-ea"/>
+              </a:rPr>
+              <a:t>-&gt; </a:t>
+            </a:r>
+            <a:r>
+              <a:rPr lang="zh-CN" altLang="en-US">
+                <a:sym typeface="+mn-ea"/>
+              </a:rPr>
+              <a:t>卷积网络</a:t>
+            </a:r>
+            <a:r>
+              <a:rPr lang="zh-CN" altLang="en-US">
+                <a:sym typeface="+mn-ea"/>
+              </a:rPr>
+              <a:t> </a:t>
+            </a:r>
+            <a:r>
+              <a:rPr lang="en-US" altLang="zh-CN">
+                <a:sym typeface="+mn-ea"/>
+              </a:rPr>
+              <a:t>-&gt; </a:t>
+            </a:r>
+            <a:r>
+              <a:rPr lang="zh-CN" altLang="en-US">
+                <a:sym typeface="+mn-ea"/>
+              </a:rPr>
+              <a:t>算法 </a:t>
+            </a:r>
+            <a:r>
+              <a:rPr lang="en-US" altLang="zh-CN">
+                <a:sym typeface="+mn-ea"/>
+              </a:rPr>
+              <a:t>-&gt; </a:t>
+            </a:r>
+            <a:r>
+              <a:rPr lang="zh-CN" altLang="en-US">
+                <a:sym typeface="+mn-ea"/>
+              </a:rPr>
+              <a:t>结果</a:t>
+            </a:r>
+            <a:endParaRPr lang="zh-CN" altLang="en-US">
+              <a:sym typeface="+mn-ea"/>
+            </a:endParaRPr>
+          </a:p>
+          <a:p>
+            <a:pPr marL="0" indent="0">
+              <a:buNone/>
+            </a:pPr>
+            <a:r>
+              <a:rPr lang="en-US" altLang="zh-CN">
+                <a:sym typeface="+mn-ea"/>
+              </a:rPr>
+              <a:t>		        </a:t>
+            </a:r>
+            <a:r>
+              <a:rPr lang="zh-CN" altLang="en-US">
+                <a:sym typeface="+mn-ea"/>
+              </a:rPr>
+              <a:t>原始数据 </a:t>
+            </a:r>
+            <a:r>
+              <a:rPr lang="en-US" altLang="zh-CN">
+                <a:sym typeface="+mn-ea"/>
+              </a:rPr>
+              <a:t>-&gt; </a:t>
+            </a:r>
+            <a:r>
+              <a:rPr lang="zh-CN" altLang="en-US">
+                <a:sym typeface="+mn-ea"/>
+              </a:rPr>
+              <a:t>深度学习 </a:t>
+            </a:r>
+            <a:r>
+              <a:rPr lang="en-US" altLang="zh-CN">
+                <a:sym typeface="+mn-ea"/>
+              </a:rPr>
+              <a:t>-&gt; </a:t>
+            </a:r>
+            <a:r>
+              <a:rPr lang="zh-CN" altLang="en-US">
+                <a:sym typeface="+mn-ea"/>
+              </a:rPr>
+              <a:t>结果</a:t>
+            </a:r>
+            <a:endParaRPr lang="zh-CN" altLang="en-US">
+              <a:sym typeface="+mn-ea"/>
+            </a:endParaRPr>
+          </a:p>
+          <a:p>
+            <a:pPr marL="0" indent="0">
+              <a:buNone/>
+            </a:pPr>
+            <a:endParaRPr lang="zh-CN" altLang="en-US">
+              <a:sym typeface="+mn-ea"/>
+            </a:endParaRPr>
+          </a:p>
+          <a:p>
+            <a:pPr marL="0" indent="0">
+              <a:buNone/>
+            </a:pPr>
+            <a:r>
+              <a:rPr lang="zh-CN" altLang="en-US">
+                <a:sym typeface="+mn-ea"/>
+              </a:rPr>
+              <a:t>江湖上，人们把这种招式叫做 </a:t>
+            </a:r>
+            <a:r>
+              <a:rPr lang="en-US" altLang="zh-CN">
+                <a:sym typeface="+mn-ea"/>
+              </a:rPr>
+              <a:t>End-to-End </a:t>
+            </a:r>
+            <a:r>
+              <a:rPr lang="zh-CN" altLang="en-US">
+                <a:sym typeface="+mn-ea"/>
+              </a:rPr>
+              <a:t>的学习</a:t>
+            </a:r>
+            <a:endParaRPr lang="zh-CN" altLang="en-US">
+              <a:sym typeface="+mn-ea"/>
+            </a:endParaRPr>
+          </a:p>
+          <a:p>
+            <a:pPr marL="0" indent="0">
+              <a:buNone/>
+            </a:pPr>
+            <a:endParaRPr lang="en-US"/>
+          </a:p>
+          <a:p>
+            <a:pPr marL="0" indent="0">
+              <a:buNone/>
+            </a:pPr>
+            <a:r>
+              <a:rPr lang="zh-CN" altLang="en-US"/>
+              <a:t>对，这就是卷积要解决的问题</a:t>
+            </a:r>
+            <a:endParaRPr lang="zh-CN" altLang="en-US"/>
+          </a:p>
+        </p:txBody>
+      </p:sp>
+    </p:spTree>
+  </p:cSld>
+  <p:clrMapOvr>
+    <a:masterClrMapping/>
+  </p:clrMapOvr>
+</p:sld>
+</file>
+
+<file path=ppt/slides/slide5.xml><?xml version="1.0" encoding="utf-8"?>
+<p:sld xmlns:a="http://schemas.openxmlformats.org/drawingml/2006/main" xmlns:r="http://schemas.openxmlformats.org/officeDocument/2006/relationships" xmlns:p="http://schemas.openxmlformats.org/presentationml/2006/main">
+  <p:cSld>
+    <p:spTree>
+      <p:nvGrpSpPr>
+        <p:cNvPr id="1" name=""/>
+        <p:cNvGrpSpPr/>
+        <p:nvPr/>
+      </p:nvGrpSpPr>
+      <p:grpSpPr/>
+      <p:sp>
+        <p:nvSpPr>
+          <p:cNvPr id="2" name="Title 1"/>
+          <p:cNvSpPr>
+            <a:spLocks noGrp="1"/>
+          </p:cNvSpPr>
+          <p:nvPr>
+            <p:ph type="title"/>
+          </p:nvPr>
+        </p:nvSpPr>
+        <p:spPr/>
+        <p:txBody>
+          <a:bodyPr/>
+          <a:p>
+            <a:r>
+              <a:rPr lang="zh-CN" altLang="en-US" sz="3200"/>
+              <a:t>现在我们来看 </a:t>
+            </a:r>
+            <a:r>
+              <a:rPr lang="en-US" altLang="zh-CN" sz="3200"/>
+              <a:t>Convolution </a:t>
+            </a:r>
+            <a:r>
+              <a:rPr lang="zh-CN" altLang="en-US" sz="3200"/>
+              <a:t>是什么</a:t>
+            </a:r>
+            <a:endParaRPr lang="zh-CN" altLang="en-US" sz="3200"/>
+          </a:p>
+        </p:txBody>
+      </p:sp>
+      <p:sp>
+        <p:nvSpPr>
+          <p:cNvPr id="3" name="Content Placeholder 2"/>
+          <p:cNvSpPr>
+            <a:spLocks noGrp="1"/>
+          </p:cNvSpPr>
+          <p:nvPr>
+            <p:ph sz="half" idx="1"/>
+          </p:nvPr>
+        </p:nvSpPr>
+        <p:spPr>
+          <a:xfrm>
+            <a:off x="838200" y="1825625"/>
+            <a:ext cx="10755630" cy="4351655"/>
+          </a:xfrm>
+        </p:spPr>
+        <p:txBody>
+          <a:bodyPr/>
+          <a:p>
+            <a:pPr marL="0" indent="0">
+              <a:buNone/>
+            </a:pPr>
+            <a:r>
+              <a:rPr lang="zh-CN" altLang="en-US"/>
+              <a:t>我们可以将它理解为</a:t>
+            </a:r>
+            <a:r>
+              <a:rPr lang="en-US" altLang="zh-CN"/>
+              <a:t>“</a:t>
+            </a:r>
+            <a:r>
+              <a:rPr lang="zh-CN" altLang="en-US"/>
+              <a:t>矩阵滑窗乘法</a:t>
+            </a:r>
+            <a:r>
+              <a:rPr lang="en-US" altLang="zh-CN"/>
+              <a:t>”</a:t>
+            </a:r>
+            <a:endParaRPr lang="en-US" altLang="zh-CN"/>
+          </a:p>
+          <a:p>
+            <a:pPr marL="0" indent="0">
+              <a:buNone/>
+            </a:pPr>
+            <a:endParaRPr lang="en-US" altLang="zh-CN"/>
+          </a:p>
+          <a:p>
+            <a:pPr marL="0" indent="0">
+              <a:buNone/>
+            </a:pPr>
+            <a:r>
+              <a:rPr lang="zh-CN" altLang="en-US"/>
+              <a:t>每一张图片都可以被表示为一个</a:t>
+            </a:r>
+            <a:r>
+              <a:rPr lang="en-US" altLang="zh-CN"/>
+              <a:t>3</a:t>
+            </a:r>
+            <a:r>
+              <a:rPr lang="zh-CN" altLang="en-US"/>
+              <a:t>维矩阵：宽</a:t>
+            </a:r>
+            <a:r>
+              <a:rPr lang="en-US" altLang="zh-CN"/>
+              <a:t>x</a:t>
+            </a:r>
+            <a:r>
+              <a:rPr lang="zh-CN" altLang="en-US"/>
+              <a:t>高</a:t>
+            </a:r>
+            <a:r>
+              <a:rPr lang="en-US" altLang="zh-CN"/>
+              <a:t>x</a:t>
+            </a:r>
+            <a:r>
+              <a:rPr lang="zh-CN" altLang="en-US"/>
+              <a:t>颜色通道数</a:t>
+            </a:r>
+            <a:endParaRPr lang="zh-CN" altLang="en-US"/>
+          </a:p>
+          <a:p>
+            <a:pPr marL="0" indent="0">
+              <a:buNone/>
+            </a:pPr>
+            <a:endParaRPr lang="zh-CN" altLang="en-US"/>
+          </a:p>
+          <a:p>
+            <a:pPr marL="0" indent="0">
+              <a:buNone/>
+            </a:pPr>
+            <a:r>
+              <a:rPr lang="zh-CN" altLang="en-US"/>
+              <a:t>然后我们需要一个滑窗（通常被称为 </a:t>
+            </a:r>
+            <a:r>
+              <a:rPr lang="en-US" altLang="zh-CN"/>
+              <a:t>Filter/Feature Map</a:t>
+            </a:r>
+            <a:r>
+              <a:rPr lang="zh-CN" altLang="en-US"/>
+              <a:t>）</a:t>
+            </a:r>
+            <a:endParaRPr lang="zh-CN" altLang="en-US"/>
+          </a:p>
+          <a:p>
+            <a:pPr marL="0" indent="0">
+              <a:buNone/>
+            </a:pPr>
+            <a:endParaRPr lang="zh-CN" altLang="en-US"/>
+          </a:p>
+          <a:p>
+            <a:pPr marL="0" indent="0">
+              <a:buNone/>
+            </a:pPr>
+            <a:r>
+              <a:rPr lang="zh-CN" altLang="zh-CN"/>
+              <a:t>滑窗一般就是 </a:t>
+            </a:r>
+            <a:r>
+              <a:rPr lang="en-US" altLang="zh-CN"/>
+              <a:t>N x N x </a:t>
+            </a:r>
+            <a:r>
+              <a:rPr lang="zh-CN" altLang="en-US"/>
+              <a:t>颜色通道数 </a:t>
+            </a:r>
+            <a:r>
+              <a:rPr lang="zh-CN" altLang="en-US"/>
+              <a:t>的矩阵。</a:t>
+            </a:r>
+            <a:endParaRPr lang="zh-CN" altLang="en-US"/>
+          </a:p>
+          <a:p>
+            <a:pPr marL="0" indent="0">
+              <a:buNone/>
+            </a:pPr>
+            <a:r>
+              <a:rPr lang="zh-CN" altLang="en-US"/>
+              <a:t>你也可以理解为需要</a:t>
+            </a:r>
+            <a:r>
+              <a:rPr lang="en-US" altLang="zh-CN"/>
+              <a:t>[</a:t>
+            </a:r>
+            <a:r>
+              <a:rPr lang="zh-CN" altLang="en-US">
+                <a:sym typeface="+mn-ea"/>
+              </a:rPr>
+              <a:t>颜色通道数</a:t>
+            </a:r>
+            <a:r>
+              <a:rPr lang="en-US" altLang="en-US">
+                <a:sym typeface="+mn-ea"/>
+              </a:rPr>
+              <a:t>]</a:t>
+            </a:r>
+            <a:r>
+              <a:rPr lang="zh-CN" altLang="en-US"/>
+              <a:t>个 </a:t>
+            </a:r>
+            <a:r>
+              <a:rPr lang="en-US" altLang="zh-CN"/>
+              <a:t>N x N </a:t>
+            </a:r>
+            <a:r>
+              <a:rPr lang="zh-CN" altLang="en-US"/>
+              <a:t>的 </a:t>
+            </a:r>
+            <a:r>
+              <a:rPr lang="en-US" altLang="zh-CN"/>
+              <a:t>Filter Map</a:t>
+            </a:r>
+            <a:endParaRPr lang="en-US" altLang="zh-CN"/>
+          </a:p>
+        </p:txBody>
+      </p:sp>
+    </p:spTree>
+  </p:cSld>
+  <p:clrMapOvr>
+    <a:masterClrMapping/>
+  </p:clrMapOvr>
+</p:sld>
+</file>
+
+<file path=ppt/slides/slide6.xml><?xml version="1.0" encoding="utf-8"?>
+<p:sld xmlns:a="http://schemas.openxmlformats.org/drawingml/2006/main" xmlns:r="http://schemas.openxmlformats.org/officeDocument/2006/relationships" xmlns:p="http://schemas.openxmlformats.org/presentationml/2006/main">
+  <p:cSld>
+    <p:spTree>
+      <p:nvGrpSpPr>
+        <p:cNvPr id="1" name=""/>
+        <p:cNvGrpSpPr/>
+        <p:nvPr/>
+      </p:nvGrpSpPr>
+      <p:grpSpPr/>
+      <p:sp>
+        <p:nvSpPr>
+          <p:cNvPr id="2" name="Title 1"/>
+          <p:cNvSpPr>
+            <a:spLocks noGrp="1"/>
+          </p:cNvSpPr>
+          <p:nvPr>
+            <p:ph type="title"/>
+          </p:nvPr>
+        </p:nvSpPr>
+        <p:spPr/>
+        <p:txBody>
+          <a:bodyPr/>
+          <a:p>
+            <a:r>
+              <a:rPr lang="zh-CN" altLang="en-US" sz="3200">
+                <a:sym typeface="+mn-ea"/>
+              </a:rPr>
+              <a:t>滑窗的运算，以及滑窗后的输出是什么？</a:t>
+            </a:r>
+            <a:endParaRPr lang="en-US" altLang="zh-CN" sz="3200">
+              <a:sym typeface="+mn-ea"/>
+            </a:endParaRPr>
+          </a:p>
+        </p:txBody>
+      </p:sp>
+      <p:sp>
+        <p:nvSpPr>
+          <p:cNvPr id="4" name="Content Placeholder 3"/>
+          <p:cNvSpPr>
+            <a:spLocks noGrp="1"/>
+          </p:cNvSpPr>
+          <p:nvPr>
+            <p:ph sz="half" idx="2"/>
+          </p:nvPr>
+        </p:nvSpPr>
+        <p:spPr>
+          <a:xfrm>
+            <a:off x="5907405" y="1691005"/>
+            <a:ext cx="5958840" cy="3289935"/>
+          </a:xfrm>
+        </p:spPr>
+        <p:txBody>
+          <a:bodyPr/>
+          <a:p>
+            <a:pPr marL="0" indent="0">
+              <a:buNone/>
+            </a:pPr>
+            <a:r>
+              <a:rPr lang="zh-CN" altLang="en-US"/>
+              <a:t>右边这个矩阵就是输出，我们可以将其理解为原始图片的特征表示</a:t>
+            </a:r>
+            <a:endParaRPr lang="zh-CN" altLang="en-US"/>
+          </a:p>
+          <a:p>
+            <a:pPr marL="0" indent="0">
+              <a:buNone/>
+            </a:pPr>
+            <a:endParaRPr lang="zh-CN" altLang="en-US"/>
+          </a:p>
+          <a:p>
+            <a:pPr marL="0" indent="0">
+              <a:buNone/>
+            </a:pPr>
+            <a:r>
+              <a:rPr lang="en-US" altLang="zh-CN"/>
+              <a:t>A Kind Of Feature Representation</a:t>
+            </a:r>
+            <a:endParaRPr lang="en-US" altLang="zh-CN"/>
+          </a:p>
+          <a:p>
+            <a:pPr marL="0" indent="0">
+              <a:buNone/>
+            </a:pPr>
+            <a:endParaRPr lang="en-US" altLang="zh-CN"/>
+          </a:p>
+          <a:p>
+            <a:pPr marL="0" indent="0">
+              <a:buNone/>
+            </a:pPr>
+            <a:r>
+              <a:rPr lang="zh-CN" altLang="en-US">
+                <a:sym typeface="+mn-ea"/>
+              </a:rPr>
+              <a:t>输出矩阵的 </a:t>
+            </a:r>
+            <a:r>
+              <a:rPr lang="en-US" altLang="zh-CN">
+                <a:sym typeface="+mn-ea"/>
+              </a:rPr>
+              <a:t>Depth == Filter </a:t>
+            </a:r>
+            <a:r>
+              <a:rPr lang="zh-CN" altLang="en-US">
+                <a:sym typeface="+mn-ea"/>
+              </a:rPr>
+              <a:t>的数量</a:t>
+            </a:r>
+            <a:endParaRPr lang="zh-CN" altLang="en-US"/>
+          </a:p>
+          <a:p>
+            <a:pPr marL="0" indent="0">
+              <a:buNone/>
+            </a:pPr>
+            <a:endParaRPr lang="en-US" altLang="zh-CN"/>
+          </a:p>
+        </p:txBody>
+      </p:sp>
+      <p:pic>
+        <p:nvPicPr>
+          <p:cNvPr id="5" name="Content Placeholder 4"/>
+          <p:cNvPicPr>
+            <a:picLocks noChangeAspect="1"/>
+          </p:cNvPicPr>
+          <p:nvPr>
+            <p:ph sz="half" idx="1"/>
+          </p:nvPr>
+        </p:nvPicPr>
+        <p:blipFill>
+          <a:blip r:embed="rId1"/>
+          <a:stretch>
+            <a:fillRect/>
+          </a:stretch>
+        </p:blipFill>
+        <p:spPr>
+          <a:xfrm>
+            <a:off x="838200" y="1876425"/>
+            <a:ext cx="4419600" cy="3105150"/>
+          </a:xfrm>
+          <a:prstGeom prst="rect">
+            <a:avLst/>
+          </a:prstGeom>
+        </p:spPr>
+      </p:pic>
+      <p:sp>
+        <p:nvSpPr>
+          <p:cNvPr id="6" name="Text Box 5"/>
+          <p:cNvSpPr txBox="1"/>
+          <p:nvPr/>
+        </p:nvSpPr>
+        <p:spPr>
+          <a:xfrm>
+            <a:off x="838200" y="5623560"/>
+            <a:ext cx="10005060" cy="948690"/>
+          </a:xfrm>
+          <a:prstGeom prst="rect">
+            <a:avLst/>
+          </a:prstGeom>
+          <a:noFill/>
+        </p:spPr>
+        <p:txBody>
+          <a:bodyPr wrap="square" rtlCol="0">
+            <a:spAutoFit/>
+          </a:bodyPr>
+          <a:p>
+            <a:r>
+              <a:rPr lang="zh-CN" altLang="en-US" sz="2800"/>
+              <a:t>具体的运算方式我们直接来看 </a:t>
+            </a:r>
+            <a:r>
+              <a:rPr lang="en-US" altLang="zh-CN" sz="2800"/>
+              <a:t>cs231n </a:t>
+            </a:r>
+            <a:r>
+              <a:rPr lang="zh-CN" altLang="en-US" sz="2800"/>
+              <a:t>课件里的动画吧</a:t>
+            </a:r>
+            <a:endParaRPr lang="zh-CN" altLang="en-US" sz="2800"/>
+          </a:p>
+          <a:p>
+            <a:r>
+              <a:rPr lang="zh-CN" altLang="en-US" sz="2800"/>
+              <a:t>http://cs231n.github.io/convolutional-networks/</a:t>
+            </a:r>
+            <a:endParaRPr lang="zh-CN" altLang="en-US" sz="2800"/>
+          </a:p>
+        </p:txBody>
+      </p:sp>
+    </p:spTree>
+  </p:cSld>
+  <p:clrMapOvr>
+    <a:masterClrMapping/>
+  </p:clrMapOvr>
+</p:sld>
+</file>
+
+<file path=ppt/slides/slide7.xml><?xml version="1.0" encoding="utf-8"?>
+<p:sld xmlns:a="http://schemas.openxmlformats.org/drawingml/2006/main" xmlns:r="http://schemas.openxmlformats.org/officeDocument/2006/relationships" xmlns:p="http://schemas.openxmlformats.org/presentationml/2006/main">
+  <p:cSld>
+    <p:spTree>
+      <p:nvGrpSpPr>
+        <p:cNvPr id="1" name=""/>
+        <p:cNvGrpSpPr/>
+        <p:nvPr/>
+      </p:nvGrpSpPr>
+      <p:grpSpPr/>
+      <p:sp>
+        <p:nvSpPr>
+          <p:cNvPr id="2" name="Title 1"/>
+          <p:cNvSpPr>
+            <a:spLocks noGrp="1"/>
+          </p:cNvSpPr>
+          <p:nvPr>
+            <p:ph type="title"/>
+          </p:nvPr>
+        </p:nvSpPr>
+        <p:spPr/>
+        <p:txBody>
+          <a:bodyPr/>
+          <a:p>
+            <a:r>
+              <a:rPr lang="zh-CN" altLang="en-US"/>
+              <a:t>滑窗有很多滑法</a:t>
+            </a:r>
+            <a:endParaRPr lang="zh-CN" altLang="en-US"/>
+          </a:p>
+        </p:txBody>
+      </p:sp>
+      <p:sp>
+        <p:nvSpPr>
+          <p:cNvPr id="3" name="Content Placeholder 2"/>
+          <p:cNvSpPr>
+            <a:spLocks noGrp="1"/>
+          </p:cNvSpPr>
+          <p:nvPr>
+            <p:ph sz="half" idx="1"/>
+          </p:nvPr>
+        </p:nvSpPr>
+        <p:spPr>
+          <a:xfrm>
+            <a:off x="838200" y="1825625"/>
+            <a:ext cx="10109200" cy="4922520"/>
+          </a:xfrm>
+        </p:spPr>
+        <p:txBody>
+          <a:bodyPr>
+            <a:normAutofit/>
+          </a:bodyPr>
+          <a:p>
+            <a:pPr marL="0" indent="0">
+              <a:buNone/>
+            </a:pPr>
+            <a:r>
+              <a:rPr lang="en-US"/>
+              <a:t>Stride</a:t>
+            </a:r>
+            <a:r>
+              <a:rPr lang="zh-CN" altLang="en-US"/>
+              <a:t>：每一步的大小（这个容易理解，每一次滑多少步）</a:t>
+            </a:r>
+            <a:endParaRPr lang="zh-CN" altLang="en-US"/>
+          </a:p>
+          <a:p>
+            <a:pPr marL="0" indent="0">
+              <a:buNone/>
+            </a:pPr>
+            <a:r>
+              <a:rPr lang="en-US" altLang="zh-CN"/>
+              <a:t>Padding</a:t>
+            </a:r>
+            <a:r>
+              <a:rPr lang="zh-CN" altLang="en-US"/>
+              <a:t>：填充（啥意思？）</a:t>
+            </a:r>
+            <a:br>
+              <a:rPr lang="zh-CN" altLang="en-US"/>
+            </a:br>
+            <a:endParaRPr lang="zh-CN" altLang="en-US"/>
+          </a:p>
+          <a:p>
+            <a:pPr marL="0" indent="0">
+              <a:buNone/>
+            </a:pPr>
+            <a:endParaRPr lang="zh-CN" altLang="en-US"/>
+          </a:p>
+          <a:p>
+            <a:pPr marL="0" indent="0">
+              <a:buNone/>
+            </a:pPr>
+            <a:endParaRPr lang="zh-CN" altLang="en-US"/>
+          </a:p>
+          <a:p>
+            <a:pPr marL="0" indent="0">
+              <a:buNone/>
+            </a:pPr>
+            <a:endParaRPr lang="zh-CN" altLang="en-US"/>
+          </a:p>
+          <a:p>
+            <a:pPr marL="0" indent="0">
+              <a:buNone/>
+            </a:pPr>
+            <a:endParaRPr lang="zh-CN" altLang="en-US"/>
+          </a:p>
+          <a:p>
+            <a:pPr marL="0" indent="0">
+              <a:buNone/>
+            </a:pPr>
+            <a:r>
+              <a:rPr lang="zh-CN" altLang="en-US"/>
+              <a:t>http://deeplearning.net/software/theano_versions/dev/tutorial/conv_arithmetic.html</a:t>
+            </a:r>
+            <a:endParaRPr lang="zh-CN" altLang="en-US"/>
+          </a:p>
+          <a:p>
+            <a:pPr marL="0" indent="0">
+              <a:buNone/>
+            </a:pPr>
+            <a:r>
+              <a:rPr lang="zh-CN" altLang="zh-CN"/>
+              <a:t>这一页有很不错的动画</a:t>
+            </a:r>
+            <a:endParaRPr lang="zh-CN" altLang="zh-CN"/>
+          </a:p>
+          <a:p>
+            <a:pPr marL="0" indent="0">
+              <a:buNone/>
+            </a:pPr>
+            <a:endParaRPr lang="zh-CN" altLang="en-US"/>
+          </a:p>
+        </p:txBody>
+      </p:sp>
+      <p:pic>
+        <p:nvPicPr>
+          <p:cNvPr id="8" name="Picture 7"/>
+          <p:cNvPicPr>
+            <a:picLocks noChangeAspect="1"/>
+          </p:cNvPicPr>
+          <p:nvPr/>
+        </p:nvPicPr>
+        <p:blipFill>
+          <a:blip r:embed="rId1"/>
+          <a:stretch>
+            <a:fillRect/>
+          </a:stretch>
+        </p:blipFill>
+        <p:spPr>
+          <a:xfrm>
+            <a:off x="838200" y="2958465"/>
+            <a:ext cx="3209290" cy="2085975"/>
+          </a:xfrm>
+          <a:prstGeom prst="rect">
+            <a:avLst/>
+          </a:prstGeom>
+        </p:spPr>
+      </p:pic>
+      <p:pic>
+        <p:nvPicPr>
+          <p:cNvPr id="9" name="Content Placeholder 8"/>
+          <p:cNvPicPr>
+            <a:picLocks noChangeAspect="1"/>
+          </p:cNvPicPr>
+          <p:nvPr>
+            <p:ph sz="half" idx="2"/>
+          </p:nvPr>
+        </p:nvPicPr>
+        <p:blipFill>
+          <a:blip r:embed="rId2"/>
+          <a:stretch>
+            <a:fillRect/>
+          </a:stretch>
+        </p:blipFill>
+        <p:spPr>
+          <a:xfrm>
+            <a:off x="5778500" y="2677795"/>
+            <a:ext cx="3771900" cy="2647950"/>
+          </a:xfrm>
+          <a:prstGeom prst="rect">
+            <a:avLst/>
+          </a:prstGeom>
+        </p:spPr>
+      </p:pic>
+    </p:spTree>
+  </p:cSld>
+  <p:clrMapOvr>
+    <a:masterClrMapping/>
+  </p:clrMapOvr>
+</p:sld>
+</file>
+
+<file path=ppt/slides/slide8.xml><?xml version="1.0" encoding="utf-8"?>
+<p:sld xmlns:a="http://schemas.openxmlformats.org/drawingml/2006/main" xmlns:r="http://schemas.openxmlformats.org/officeDocument/2006/relationships" xmlns:p="http://schemas.openxmlformats.org/presentationml/2006/main">
+  <p:cSld>
+    <p:spTree>
+      <p:nvGrpSpPr>
+        <p:cNvPr id="1" name=""/>
+        <p:cNvGrpSpPr/>
+        <p:nvPr/>
+      </p:nvGrpSpPr>
+      <p:grpSpPr/>
+      <p:sp>
+        <p:nvSpPr>
+          <p:cNvPr id="2" name="Title 1"/>
+          <p:cNvSpPr>
+            <a:spLocks noGrp="1"/>
+          </p:cNvSpPr>
+          <p:nvPr>
+            <p:ph type="title"/>
+          </p:nvPr>
+        </p:nvSpPr>
+        <p:spPr/>
+        <p:txBody>
+          <a:bodyPr/>
+          <a:p>
+            <a:r>
+              <a:rPr lang="zh-CN" altLang="en-US" sz="3200"/>
+              <a:t>矩阵元素一一相乘求和 </a:t>
+            </a:r>
+            <a:r>
+              <a:rPr lang="en-US" altLang="zh-CN" sz="3200"/>
+              <a:t>= </a:t>
+            </a:r>
+            <a:r>
+              <a:rPr lang="zh-CN" altLang="en-US" sz="3200"/>
+              <a:t>矩阵扁平化为向量后的内积</a:t>
+            </a:r>
+            <a:endParaRPr lang="zh-CN" altLang="en-US" sz="3200"/>
+          </a:p>
+        </p:txBody>
+      </p:sp>
+      <p:sp>
+        <p:nvSpPr>
+          <p:cNvPr id="3" name="Content Placeholder 2"/>
+          <p:cNvSpPr>
+            <a:spLocks noGrp="1"/>
+          </p:cNvSpPr>
+          <p:nvPr>
+            <p:ph sz="half" idx="1"/>
+          </p:nvPr>
+        </p:nvSpPr>
+        <p:spPr/>
+        <p:txBody>
+          <a:bodyPr/>
+          <a:p>
+            <a:pPr marL="0" indent="0">
+              <a:buNone/>
+            </a:pPr>
+            <a:r>
+              <a:rPr lang="en-US" altLang="en-US"/>
+              <a:t>[4, 2]       [9, 4]</a:t>
+            </a:r>
+            <a:endParaRPr lang="en-US" altLang="en-US"/>
+          </a:p>
+          <a:p>
+            <a:pPr marL="0" indent="0">
+              <a:buNone/>
+            </a:pPr>
+            <a:r>
+              <a:rPr lang="en-US" altLang="en-US"/>
+              <a:t>[1, 8]       [5, 2]</a:t>
+            </a:r>
+            <a:endParaRPr lang="en-US" altLang="en-US"/>
+          </a:p>
+          <a:p>
+            <a:pPr marL="0" indent="0">
+              <a:buNone/>
+            </a:pPr>
+            <a:r>
+              <a:rPr lang="en-US" altLang="en-US"/>
+              <a:t>Element-wise Muliplication + Sum</a:t>
+            </a:r>
+            <a:endParaRPr lang="en-US" altLang="en-US"/>
+          </a:p>
+          <a:p>
+            <a:pPr marL="0" indent="0">
+              <a:buNone/>
+            </a:pPr>
+            <a:r>
+              <a:rPr lang="en-US" altLang="en-US"/>
+              <a:t>4x9 + 2x4 + 1x5 + 8x2</a:t>
+            </a:r>
+            <a:endParaRPr lang="en-US" altLang="en-US"/>
+          </a:p>
+        </p:txBody>
+      </p:sp>
+      <p:sp>
+        <p:nvSpPr>
+          <p:cNvPr id="4" name="Content Placeholder 3"/>
+          <p:cNvSpPr>
+            <a:spLocks noGrp="1"/>
+          </p:cNvSpPr>
+          <p:nvPr>
+            <p:ph sz="half" idx="2"/>
+          </p:nvPr>
+        </p:nvSpPr>
+        <p:spPr/>
+        <p:txBody>
+          <a:bodyPr/>
+          <a:p>
+            <a:pPr marL="0" indent="0">
+              <a:buNone/>
+            </a:pPr>
+            <a:r>
+              <a:rPr lang="en-US"/>
+              <a:t>[4, 2, 1, 8] </a:t>
+            </a:r>
+            <a:r>
+              <a:rPr lang="zh-CN"/>
+              <a:t>· </a:t>
+            </a:r>
+            <a:r>
+              <a:rPr lang="en-US"/>
+              <a:t>[9, 4, 5, 2]</a:t>
+            </a:r>
+            <a:endParaRPr lang="en-US"/>
+          </a:p>
+          <a:p>
+            <a:pPr marL="0" indent="0">
+              <a:buNone/>
+            </a:pPr>
+            <a:endParaRPr lang="en-US"/>
+          </a:p>
+          <a:p>
+            <a:pPr marL="0" indent="0">
+              <a:buNone/>
+            </a:pPr>
+            <a:r>
+              <a:rPr lang="zh-CN"/>
+              <a:t>点乘</a:t>
+            </a:r>
+            <a:r>
+              <a:rPr lang="en-US"/>
+              <a:t>/</a:t>
+            </a:r>
+            <a:r>
+              <a:rPr lang="zh-CN"/>
+              <a:t>内积</a:t>
+            </a:r>
+            <a:endParaRPr lang="zh-CN"/>
+          </a:p>
+          <a:p>
+            <a:pPr marL="0" indent="0">
+              <a:buNone/>
+            </a:pPr>
+            <a:r>
+              <a:rPr lang="en-US" altLang="en-US">
+                <a:sym typeface="+mn-ea"/>
+              </a:rPr>
+              <a:t>4x9 + 2x4 + 1x5 + 8x2</a:t>
+            </a:r>
+            <a:endParaRPr lang="en-US" altLang="en-US"/>
+          </a:p>
+          <a:p>
+            <a:pPr marL="0" indent="0">
+              <a:buNone/>
+            </a:pPr>
+            <a:endParaRPr lang="en-US"/>
+          </a:p>
+        </p:txBody>
+      </p:sp>
+    </p:spTree>
   </p:cSld>
   <p:clrMapOvr>
     <a:masterClrMapping/>
@@ -3058,7 +4395,7 @@
     </a:clrScheme>
     <a:fontScheme name="Office">
       <a:majorFont>
-        <a:latin typeface="Calibri Light" panose="020F0302020204030204"/>
+        <a:latin typeface="Calibri Light"/>
         <a:ea typeface=""/>
         <a:cs typeface=""/>
         <a:font script="Jpan" typeface="ＭＳ Ｐゴシック"/>
@@ -3093,7 +4430,7 @@
         <a:font script="Geor" typeface="Sylfaen"/>
       </a:majorFont>
       <a:minorFont>
-        <a:latin typeface="Calibri" panose="020F0502020204030204"/>
+        <a:latin typeface="Calibri"/>
         <a:ea typeface=""/>
         <a:cs typeface=""/>
         <a:font script="Jpan" typeface="ＭＳ Ｐゴシック"/>
@@ -3266,8 +4603,6 @@
       </a:bgFillStyleLst>
     </a:fmtScheme>
   </a:themeElements>
-  <a:objectDefaults/>
-  <a:extraClrSchemeLst/>
   <a:extLst>
     <a:ext uri="{05A4C25C-085E-4340-85A3-A5531E510DB2}">
       <thm15:themeFamily xmlns:thm15="http://schemas.microsoft.com/office/thememl/2012/main" name="Office Theme" id="{62F939B6-93AF-4DB8-9C6B-D6C7DFDC589F}" vid="{4A3C46E8-61CC-4603-A589-7422A47A8E4A}"/>
